--- a/05_es6_node/NodeJS_demo/10_postman/Postman_Hints.pptx
+++ b/05_es6_node/NodeJS_demo/10_postman/Postman_Hints.pptx
@@ -5,11 +5,13 @@
     <p:sldMasterId id="2147483648" r:id="rId4"/>
   </p:sldMasterIdLst>
   <p:notesMasterIdLst>
-    <p:notesMasterId r:id="rId7"/>
+    <p:notesMasterId r:id="rId9"/>
   </p:notesMasterIdLst>
   <p:sldIdLst>
     <p:sldId id="256" r:id="rId5"/>
     <p:sldId id="258" r:id="rId6"/>
+    <p:sldId id="260" r:id="rId7"/>
+    <p:sldId id="259" r:id="rId8"/>
   </p:sldIdLst>
   <p:sldSz cx="12192000" cy="6858000"/>
   <p:notesSz cx="6858000" cy="9144000"/>
@@ -130,45 +132,6 @@
 <file path=ppt/changesInfos/changesInfo1.xml><?xml version="1.0" encoding="utf-8"?>
 <pc:chgInfo xmlns:a="http://schemas.openxmlformats.org/drawingml/2006/main" xmlns:r="http://schemas.openxmlformats.org/officeDocument/2006/relationships" xmlns:ac="http://schemas.microsoft.com/office/drawing/2013/main/command" xmlns:pc="http://schemas.microsoft.com/office/powerpoint/2013/main/command">
   <pc:docChgLst>
-    <pc:chgData name="Välimäki Juhani" userId="0494df6c-5b8e-4ae2-805b-7081aacdc9fa" providerId="ADAL" clId="{DCE3D7FE-63ED-4063-BA27-2EEBC47B2894}"/>
-    <pc:docChg chg="undo addSld delSld modSld">
-      <pc:chgData name="Välimäki Juhani" userId="0494df6c-5b8e-4ae2-805b-7081aacdc9fa" providerId="ADAL" clId="{DCE3D7FE-63ED-4063-BA27-2EEBC47B2894}" dt="2023-02-05T20:57:26.459" v="64" actId="6549"/>
-      <pc:docMkLst>
-        <pc:docMk/>
-      </pc:docMkLst>
-      <pc:sldChg chg="modSp add del">
-        <pc:chgData name="Välimäki Juhani" userId="0494df6c-5b8e-4ae2-805b-7081aacdc9fa" providerId="ADAL" clId="{DCE3D7FE-63ED-4063-BA27-2EEBC47B2894}" dt="2023-02-05T20:57:26.459" v="64" actId="6549"/>
-        <pc:sldMkLst>
-          <pc:docMk/>
-          <pc:sldMk cId="3436236697" sldId="256"/>
-        </pc:sldMkLst>
-        <pc:spChg chg="mod">
-          <ac:chgData name="Välimäki Juhani" userId="0494df6c-5b8e-4ae2-805b-7081aacdc9fa" providerId="ADAL" clId="{DCE3D7FE-63ED-4063-BA27-2EEBC47B2894}" dt="2023-02-05T20:57:20.001" v="63" actId="20577"/>
-          <ac:spMkLst>
-            <pc:docMk/>
-            <pc:sldMk cId="3436236697" sldId="256"/>
-            <ac:spMk id="2" creationId="{E3D088A5-A888-E24C-9E8C-131F880EED57}"/>
-          </ac:spMkLst>
-        </pc:spChg>
-        <pc:spChg chg="mod">
-          <ac:chgData name="Välimäki Juhani" userId="0494df6c-5b8e-4ae2-805b-7081aacdc9fa" providerId="ADAL" clId="{DCE3D7FE-63ED-4063-BA27-2EEBC47B2894}" dt="2023-02-05T20:57:26.459" v="64" actId="6549"/>
-          <ac:spMkLst>
-            <pc:docMk/>
-            <pc:sldMk cId="3436236697" sldId="256"/>
-            <ac:spMk id="3" creationId="{A0D3DE56-58EC-744D-BFE0-22D8C9079928}"/>
-          </ac:spMkLst>
-        </pc:spChg>
-      </pc:sldChg>
-      <pc:sldChg chg="add del">
-        <pc:chgData name="Välimäki Juhani" userId="0494df6c-5b8e-4ae2-805b-7081aacdc9fa" providerId="ADAL" clId="{DCE3D7FE-63ED-4063-BA27-2EEBC47B2894}" dt="2023-02-05T20:56:32.686" v="14" actId="2696"/>
-        <pc:sldMkLst>
-          <pc:docMk/>
-          <pc:sldMk cId="111015751" sldId="258"/>
-        </pc:sldMkLst>
-      </pc:sldChg>
-    </pc:docChg>
-  </pc:docChgLst>
-  <pc:docChgLst>
     <pc:chgData name="Välimäki Juhani" userId="0494df6c-5b8e-4ae2-805b-7081aacdc9fa" providerId="ADAL" clId="{6CFA1AAB-27B2-44E6-AF3E-1895CE9ED8F1}"/>
     <pc:docChg chg="custSel modSld">
       <pc:chgData name="Välimäki Juhani" userId="0494df6c-5b8e-4ae2-805b-7081aacdc9fa" providerId="ADAL" clId="{6CFA1AAB-27B2-44E6-AF3E-1895CE9ED8F1}" dt="2023-02-07T21:17:56.381" v="1896" actId="20577"/>
@@ -236,6 +199,45 @@
             <ac:spMk id="9" creationId="{ACDE61D8-A75A-F94B-B57A-46F276C03311}"/>
           </ac:spMkLst>
         </pc:spChg>
+      </pc:sldChg>
+    </pc:docChg>
+  </pc:docChgLst>
+  <pc:docChgLst>
+    <pc:chgData name="Välimäki Juhani" userId="0494df6c-5b8e-4ae2-805b-7081aacdc9fa" providerId="ADAL" clId="{DCE3D7FE-63ED-4063-BA27-2EEBC47B2894}"/>
+    <pc:docChg chg="undo addSld delSld modSld">
+      <pc:chgData name="Välimäki Juhani" userId="0494df6c-5b8e-4ae2-805b-7081aacdc9fa" providerId="ADAL" clId="{DCE3D7FE-63ED-4063-BA27-2EEBC47B2894}" dt="2023-02-05T20:57:26.459" v="64" actId="6549"/>
+      <pc:docMkLst>
+        <pc:docMk/>
+      </pc:docMkLst>
+      <pc:sldChg chg="modSp add del">
+        <pc:chgData name="Välimäki Juhani" userId="0494df6c-5b8e-4ae2-805b-7081aacdc9fa" providerId="ADAL" clId="{DCE3D7FE-63ED-4063-BA27-2EEBC47B2894}" dt="2023-02-05T20:57:26.459" v="64" actId="6549"/>
+        <pc:sldMkLst>
+          <pc:docMk/>
+          <pc:sldMk cId="3436236697" sldId="256"/>
+        </pc:sldMkLst>
+        <pc:spChg chg="mod">
+          <ac:chgData name="Välimäki Juhani" userId="0494df6c-5b8e-4ae2-805b-7081aacdc9fa" providerId="ADAL" clId="{DCE3D7FE-63ED-4063-BA27-2EEBC47B2894}" dt="2023-02-05T20:57:20.001" v="63" actId="20577"/>
+          <ac:spMkLst>
+            <pc:docMk/>
+            <pc:sldMk cId="3436236697" sldId="256"/>
+            <ac:spMk id="2" creationId="{E3D088A5-A888-E24C-9E8C-131F880EED57}"/>
+          </ac:spMkLst>
+        </pc:spChg>
+        <pc:spChg chg="mod">
+          <ac:chgData name="Välimäki Juhani" userId="0494df6c-5b8e-4ae2-805b-7081aacdc9fa" providerId="ADAL" clId="{DCE3D7FE-63ED-4063-BA27-2EEBC47B2894}" dt="2023-02-05T20:57:26.459" v="64" actId="6549"/>
+          <ac:spMkLst>
+            <pc:docMk/>
+            <pc:sldMk cId="3436236697" sldId="256"/>
+            <ac:spMk id="3" creationId="{A0D3DE56-58EC-744D-BFE0-22D8C9079928}"/>
+          </ac:spMkLst>
+        </pc:spChg>
+      </pc:sldChg>
+      <pc:sldChg chg="add del">
+        <pc:chgData name="Välimäki Juhani" userId="0494df6c-5b8e-4ae2-805b-7081aacdc9fa" providerId="ADAL" clId="{DCE3D7FE-63ED-4063-BA27-2EEBC47B2894}" dt="2023-02-05T20:56:32.686" v="14" actId="2696"/>
+        <pc:sldMkLst>
+          <pc:docMk/>
+          <pc:sldMk cId="111015751" sldId="258"/>
+        </pc:sldMkLst>
       </pc:sldChg>
     </pc:docChg>
   </pc:docChgLst>
@@ -1307,7 +1309,7 @@
           <a:p>
             <a:fld id="{5645C365-1C26-6946-87AF-75D6A7DF4277}" type="datetimeFigureOut">
               <a:rPr lang="en-GB" smtClean="0"/>
-              <a:t>07/02/2023</a:t>
+              <a:t>23/04/2024</a:t>
             </a:fld>
             <a:endParaRPr lang="en-GB"/>
           </a:p>
@@ -1806,7 +1808,7 @@
           <a:p>
             <a:fld id="{35B864B8-8D08-7B43-B4FB-B2FB41A5D9E3}" type="datetime1">
               <a:rPr lang="fi-FI" smtClean="0"/>
-              <a:t>7.2.2023</a:t>
+              <a:t>23.4.2024</a:t>
             </a:fld>
             <a:endParaRPr lang="en-GB" dirty="0"/>
           </a:p>
@@ -2133,7 +2135,7 @@
           <a:p>
             <a:fld id="{D5AEA85A-FC56-D34C-9AA6-ECC3D2586F37}" type="datetime1">
               <a:rPr lang="fi-FI" smtClean="0"/>
-              <a:t>7.2.2023</a:t>
+              <a:t>23.4.2024</a:t>
             </a:fld>
             <a:endParaRPr lang="en-GB" dirty="0"/>
           </a:p>
@@ -2343,7 +2345,7 @@
           <a:p>
             <a:fld id="{E6BC6EEF-E660-7844-8930-418AFF95EA40}" type="datetime1">
               <a:rPr lang="fi-FI" smtClean="0"/>
-              <a:t>7.2.2023</a:t>
+              <a:t>23.4.2024</a:t>
             </a:fld>
             <a:endParaRPr lang="en-GB" dirty="0"/>
           </a:p>
@@ -2652,7 +2654,7 @@
           <a:p>
             <a:fld id="{4E10C7EC-C1C1-9849-A573-7692478FCD52}" type="datetime1">
               <a:rPr lang="fi-FI" smtClean="0"/>
-              <a:t>7.2.2023</a:t>
+              <a:t>23.4.2024</a:t>
             </a:fld>
             <a:endParaRPr lang="en-GB" dirty="0"/>
           </a:p>
@@ -2925,7 +2927,7 @@
           <a:p>
             <a:fld id="{844FF3FE-30BE-2040-9151-6FBC4992BF4F}" type="datetime1">
               <a:rPr lang="fi-FI" smtClean="0"/>
-              <a:t>7.2.2023</a:t>
+              <a:t>23.4.2024</a:t>
             </a:fld>
             <a:endParaRPr lang="en-GB" dirty="0"/>
           </a:p>
@@ -3165,7 +3167,7 @@
           <a:p>
             <a:fld id="{11EDCD7B-6966-E249-89F2-D46BDFBF56BE}" type="datetime1">
               <a:rPr lang="fi-FI" smtClean="0"/>
-              <a:t>7.2.2023</a:t>
+              <a:t>23.4.2024</a:t>
             </a:fld>
             <a:endParaRPr lang="en-GB" dirty="0"/>
           </a:p>
@@ -3458,7 +3460,7 @@
           <a:p>
             <a:fld id="{11EDCD7B-6966-E249-89F2-D46BDFBF56BE}" type="datetime1">
               <a:rPr lang="fi-FI" smtClean="0"/>
-              <a:t>7.2.2023</a:t>
+              <a:t>23.4.2024</a:t>
             </a:fld>
             <a:endParaRPr lang="en-GB" dirty="0"/>
           </a:p>
@@ -3897,7 +3899,7 @@
           <a:p>
             <a:fld id="{844FF3FE-30BE-2040-9151-6FBC4992BF4F}" type="datetime1">
               <a:rPr lang="fi-FI" smtClean="0"/>
-              <a:t>7.2.2023</a:t>
+              <a:t>23.4.2024</a:t>
             </a:fld>
             <a:endParaRPr lang="en-GB" dirty="0"/>
           </a:p>
@@ -4125,7 +4127,7 @@
           <a:p>
             <a:fld id="{11EDCD7B-6966-E249-89F2-D46BDFBF56BE}" type="datetime1">
               <a:rPr lang="fi-FI" smtClean="0"/>
-              <a:t>7.2.2023</a:t>
+              <a:t>23.4.2024</a:t>
             </a:fld>
             <a:endParaRPr lang="en-GB" dirty="0"/>
           </a:p>
@@ -4540,7 +4542,7 @@
           <a:p>
             <a:fld id="{B62E192A-D52B-F541-B2AA-4AEB9388F1F7}" type="datetime1">
               <a:rPr lang="fi-FI" smtClean="0"/>
-              <a:t>7.2.2023</a:t>
+              <a:t>23.4.2024</a:t>
             </a:fld>
             <a:endParaRPr lang="en-GB" dirty="0"/>
           </a:p>
@@ -4840,7 +4842,7 @@
           <a:p>
             <a:fld id="{EEA4FAA2-2B3E-264C-A42F-2D6D3EF33A3C}" type="datetime1">
               <a:rPr lang="fi-FI" smtClean="0"/>
-              <a:t>7.2.2023</a:t>
+              <a:t>23.4.2024</a:t>
             </a:fld>
             <a:endParaRPr lang="en-GB" dirty="0"/>
           </a:p>
@@ -5743,7 +5745,7 @@
           <a:p>
             <a:fld id="{B3114A65-8017-1743-A85A-B2A4BB835AE9}" type="datetime1">
               <a:rPr lang="fi-FI" smtClean="0"/>
-              <a:t>7.2.2023</a:t>
+              <a:t>23.4.2024</a:t>
             </a:fld>
             <a:endParaRPr lang="en-GB" dirty="0"/>
           </a:p>
@@ -5971,7 +5973,7 @@
           <a:p>
             <a:fld id="{11EDCD7B-6966-E249-89F2-D46BDFBF56BE}" type="datetime1">
               <a:rPr lang="fi-FI" smtClean="0"/>
-              <a:t>7.2.2023</a:t>
+              <a:t>23.4.2024</a:t>
             </a:fld>
             <a:endParaRPr lang="en-GB" dirty="0"/>
           </a:p>
@@ -6263,7 +6265,7 @@
           <a:p>
             <a:fld id="{45F98643-D206-614D-B596-3C8548138211}" type="datetime1">
               <a:rPr lang="fi-FI" smtClean="0"/>
-              <a:t>7.2.2023</a:t>
+              <a:t>23.4.2024</a:t>
             </a:fld>
             <a:endParaRPr lang="en-GB" dirty="0"/>
           </a:p>
@@ -6713,7 +6715,7 @@
       </a:lvl9pPr>
     </p:otherStyle>
   </p:txStyles>
-  <p:extLst mod="1">
+  <p:extLst>
     <p:ext uri="{27BBF7A9-308A-43DC-89C8-2F10F3537804}">
       <p15:sldGuideLst xmlns:p15="http://schemas.microsoft.com/office/powerpoint/2012/main">
         <p15:guide id="1" orient="horz" pos="2160" userDrawn="1">
@@ -6873,10 +6875,6 @@
           <a:bodyPr/>
           <a:lstStyle/>
           <a:p>
-            <a:r>
-              <a:rPr lang="en-GB"/>
-              <a:t>idea-case-backend</a:t>
-            </a:r>
             <a:endParaRPr lang="en-GB" dirty="0"/>
           </a:p>
         </p:txBody>
@@ -6904,7 +6902,7 @@
           <a:p>
             <a:fld id="{30BF63A1-919F-FB49-ABA8-182126D24C50}" type="datetime1">
               <a:rPr lang="fi-FI" smtClean="0"/>
-              <a:t>7.2.2023</a:t>
+              <a:t>23.4.2024</a:t>
             </a:fld>
             <a:endParaRPr lang="en-GB" dirty="0"/>
           </a:p>
@@ -7053,12 +7051,12 @@
         <p:spPr>
           <a:xfrm>
             <a:off x="392446" y="828062"/>
-            <a:ext cx="11443736" cy="4916007"/>
+            <a:ext cx="11443736" cy="5325497"/>
           </a:xfrm>
         </p:spPr>
         <p:txBody>
           <a:bodyPr>
-            <a:normAutofit fontScale="92500"/>
+            <a:normAutofit/>
           </a:bodyPr>
           <a:lstStyle/>
           <a:p>
@@ -7212,28 +7210,14 @@
             </a:r>
             <a:r>
               <a:rPr lang="en-US" dirty="0"/>
-              <a:t>.           </a:t>
-            </a:r>
-            <a:r>
-              <a:rPr lang="en-US"/>
-              <a:t>If you suspect a </a:t>
-            </a:r>
-            <a:r>
-              <a:rPr lang="en-US" dirty="0"/>
-              <a:t>JSON format problem, use e.g. jslint.com.</a:t>
-            </a:r>
-          </a:p>
-          <a:p>
-            <a:r>
-              <a:rPr lang="en-US" dirty="0"/>
-              <a:t>You can right-click the Collection and scroll list down until you find: Export. You can save your test collection as JSON file e.g. to your git repo, let’s say Postman folder.   (Sharing Postman Team online is free for max 3 members)</a:t>
-            </a:r>
-          </a:p>
-          <a:p>
-            <a:r>
-              <a:rPr lang="en-US" dirty="0"/>
-              <a:t>VS Code has nowadays the REST Client addition. Does it now support all the same that is mentioned here?</a:t>
-            </a:r>
+              <a:t>.           If you suspect a JSON format problem, use e.g. jslint.com.</a:t>
+            </a:r>
+          </a:p>
+          <a:p>
+            <a:pPr marL="0" indent="0">
+              <a:buNone/>
+            </a:pPr>
+            <a:endParaRPr lang="en-US" dirty="0"/>
           </a:p>
         </p:txBody>
       </p:sp>
@@ -7260,7 +7244,7 @@
           <a:p>
             <a:fld id="{202E1EC2-47B8-044B-A09E-6A63B4D80C87}" type="datetime1">
               <a:rPr lang="fi-FI" smtClean="0"/>
-              <a:t>7.2.2023</a:t>
+              <a:t>23.4.2024</a:t>
             </a:fld>
             <a:endParaRPr lang="en-GB"/>
           </a:p>
@@ -7324,6 +7308,543 @@
     <p:extLst>
       <p:ext uri="{BB962C8B-B14F-4D97-AF65-F5344CB8AC3E}">
         <p14:creationId xmlns:p14="http://schemas.microsoft.com/office/powerpoint/2010/main" val="111015751"/>
+      </p:ext>
+    </p:extLst>
+  </p:cSld>
+  <p:clrMapOvr>
+    <a:masterClrMapping/>
+  </p:clrMapOvr>
+</p:sld>
+</file>
+
+<file path=ppt/slides/slide3.xml><?xml version="1.0" encoding="utf-8"?>
+<p:sld xmlns:a="http://schemas.openxmlformats.org/drawingml/2006/main" xmlns:r="http://schemas.openxmlformats.org/officeDocument/2006/relationships" xmlns:p="http://schemas.openxmlformats.org/presentationml/2006/main">
+  <p:cSld>
+    <p:spTree>
+      <p:nvGrpSpPr>
+        <p:cNvPr id="1" name=""/>
+        <p:cNvGrpSpPr/>
+        <p:nvPr/>
+      </p:nvGrpSpPr>
+      <p:grpSpPr>
+        <a:xfrm>
+          <a:off x="0" y="0"/>
+          <a:ext cx="0" cy="0"/>
+          <a:chOff x="0" y="0"/>
+          <a:chExt cx="0" cy="0"/>
+        </a:xfrm>
+      </p:grpSpPr>
+      <p:sp>
+        <p:nvSpPr>
+          <p:cNvPr id="8" name="Title 7">
+            <a:extLst>
+              <a:ext uri="{FF2B5EF4-FFF2-40B4-BE49-F238E27FC236}">
+                <a16:creationId xmlns:a16="http://schemas.microsoft.com/office/drawing/2014/main" id="{197044C3-CD23-D844-B780-26FABA91AD0F}"/>
+              </a:ext>
+            </a:extLst>
+          </p:cNvPr>
+          <p:cNvSpPr>
+            <a:spLocks noGrp="1"/>
+          </p:cNvSpPr>
+          <p:nvPr>
+            <p:ph type="title"/>
+          </p:nvPr>
+        </p:nvSpPr>
+        <p:spPr>
+          <a:xfrm>
+            <a:off x="856971" y="207980"/>
+            <a:ext cx="11125200" cy="1223963"/>
+          </a:xfrm>
+        </p:spPr>
+        <p:txBody>
+          <a:bodyPr/>
+          <a:lstStyle/>
+          <a:p>
+            <a:r>
+              <a:rPr lang="fi-FI" dirty="0" err="1"/>
+              <a:t>Postman</a:t>
+            </a:r>
+            <a:r>
+              <a:rPr lang="fi-FI" dirty="0"/>
+              <a:t> </a:t>
+            </a:r>
+            <a:r>
+              <a:rPr lang="fi-FI" dirty="0" err="1"/>
+              <a:t>hints</a:t>
+            </a:r>
+            <a:r>
+              <a:rPr lang="fi-FI" dirty="0"/>
+              <a:t>, </a:t>
+            </a:r>
+            <a:r>
+              <a:rPr lang="fi-FI" dirty="0" err="1"/>
+              <a:t>tested</a:t>
+            </a:r>
+            <a:r>
+              <a:rPr lang="fi-FI" dirty="0"/>
+              <a:t> </a:t>
+            </a:r>
+            <a:r>
+              <a:rPr lang="fi-FI" dirty="0" err="1"/>
+              <a:t>with</a:t>
+            </a:r>
+            <a:r>
+              <a:rPr lang="fi-FI" dirty="0"/>
+              <a:t> </a:t>
+            </a:r>
+            <a:r>
+              <a:rPr lang="fi-FI" dirty="0" err="1"/>
+              <a:t>Feb</a:t>
+            </a:r>
+            <a:r>
+              <a:rPr lang="fi-FI" dirty="0"/>
+              <a:t> 2023 version</a:t>
+            </a:r>
+          </a:p>
+        </p:txBody>
+      </p:sp>
+      <p:sp>
+        <p:nvSpPr>
+          <p:cNvPr id="9" name="Content Placeholder 8">
+            <a:extLst>
+              <a:ext uri="{FF2B5EF4-FFF2-40B4-BE49-F238E27FC236}">
+                <a16:creationId xmlns:a16="http://schemas.microsoft.com/office/drawing/2014/main" id="{ACDE61D8-A75A-F94B-B57A-46F276C03311}"/>
+              </a:ext>
+            </a:extLst>
+          </p:cNvPr>
+          <p:cNvSpPr>
+            <a:spLocks noGrp="1"/>
+          </p:cNvSpPr>
+          <p:nvPr>
+            <p:ph sz="half" idx="2"/>
+          </p:nvPr>
+        </p:nvSpPr>
+        <p:spPr>
+          <a:xfrm>
+            <a:off x="392446" y="828062"/>
+            <a:ext cx="11443736" cy="5325497"/>
+          </a:xfrm>
+        </p:spPr>
+        <p:txBody>
+          <a:bodyPr>
+            <a:normAutofit fontScale="85000" lnSpcReduction="10000"/>
+          </a:bodyPr>
+          <a:lstStyle/>
+          <a:p>
+            <a:r>
+              <a:rPr lang="en-US" sz="2000" dirty="0"/>
+              <a:t>You can right-click the Collection and scroll list down until you find: Export. You can save your test collection as JSON file e.g. to your git repo, let’s say Postman folder </a:t>
+            </a:r>
+          </a:p>
+          <a:p>
+            <a:pPr lvl="1"/>
+            <a:r>
+              <a:rPr lang="en-US" sz="1800" dirty="0"/>
+              <a:t>=&gt; you will get an </a:t>
+            </a:r>
+            <a:r>
+              <a:rPr lang="en-US" sz="1800" b="1" dirty="0"/>
+              <a:t>off-line</a:t>
+            </a:r>
+            <a:r>
+              <a:rPr lang="en-US" sz="1800" dirty="0"/>
+              <a:t> copy of the test cases, yet somehow sharable by git  </a:t>
+            </a:r>
+          </a:p>
+          <a:p>
+            <a:r>
+              <a:rPr lang="en-US" sz="2000" dirty="0"/>
+              <a:t>Limitation (Feb 2024 situation): Sharing Postman Team </a:t>
+            </a:r>
+            <a:r>
+              <a:rPr lang="en-US" sz="2000" b="1" dirty="0"/>
+              <a:t>online</a:t>
+            </a:r>
+            <a:r>
+              <a:rPr lang="en-US" sz="2000" dirty="0"/>
+              <a:t> is free for max 3 members. </a:t>
+            </a:r>
+          </a:p>
+          <a:p>
+            <a:r>
+              <a:rPr lang="en-US" sz="2000" dirty="0"/>
+              <a:t>VS Code has nowadays the REST Client addition. </a:t>
+            </a:r>
+          </a:p>
+          <a:p>
+            <a:pPr lvl="1"/>
+            <a:r>
+              <a:rPr lang="en-US" sz="1800" dirty="0"/>
+              <a:t>Does it now support all the same that is mentioned here?</a:t>
+            </a:r>
+          </a:p>
+          <a:p>
+            <a:r>
+              <a:rPr lang="en-US" sz="2000" dirty="0"/>
+              <a:t>What </a:t>
+            </a:r>
+            <a:r>
+              <a:rPr lang="en-US" sz="2000" dirty="0" err="1"/>
+              <a:t>PostMan</a:t>
+            </a:r>
+            <a:r>
+              <a:rPr lang="en-US" sz="2000" dirty="0"/>
+              <a:t> has better than VS Code REST client (April 2024) is dynamic creation of correct JWT auth/auth tokens. You will need to tell </a:t>
+            </a:r>
+            <a:r>
+              <a:rPr lang="en-US" sz="2000" dirty="0" err="1"/>
+              <a:t>PostMan</a:t>
+            </a:r>
+            <a:r>
+              <a:rPr lang="en-US" sz="2000" dirty="0"/>
+              <a:t> these, and without login it can create the login/authentication token:</a:t>
+            </a:r>
+          </a:p>
+          <a:p>
+            <a:pPr lvl="1"/>
+            <a:r>
+              <a:rPr lang="en-US" sz="1800" dirty="0"/>
+              <a:t>Username/email/</a:t>
+            </a:r>
+            <a:r>
+              <a:rPr lang="en-US" sz="1800" dirty="0" err="1"/>
+              <a:t>userid</a:t>
+            </a:r>
+            <a:r>
+              <a:rPr lang="en-US" sz="1800" dirty="0"/>
+              <a:t>/password and other encrypted information</a:t>
+            </a:r>
+          </a:p>
+          <a:p>
+            <a:pPr lvl="1"/>
+            <a:r>
+              <a:rPr lang="en-US" sz="1800" dirty="0"/>
+              <a:t>The exact algorithm used in encryption</a:t>
+            </a:r>
+          </a:p>
+          <a:p>
+            <a:pPr lvl="1"/>
+            <a:r>
+              <a:rPr lang="en-US" sz="1800" dirty="0"/>
+              <a:t>The backend SECRET hash</a:t>
+            </a:r>
+          </a:p>
+          <a:p>
+            <a:pPr marL="504000" lvl="1" indent="0">
+              <a:buNone/>
+            </a:pPr>
+            <a:endParaRPr lang="en-US" sz="1800" dirty="0"/>
+          </a:p>
+          <a:p>
+            <a:r>
+              <a:rPr lang="en-US" sz="2000" dirty="0"/>
+              <a:t>In the following SCREENSHOT you can see some basic concepts and ideas of </a:t>
+            </a:r>
+            <a:r>
+              <a:rPr lang="en-US" sz="2000" dirty="0" err="1"/>
+              <a:t>PostMan</a:t>
+            </a:r>
+            <a:r>
+              <a:rPr lang="en-US" sz="2000" dirty="0"/>
+              <a:t> testing. E.g. the idea of creating multiple test cases, some OK, some failing on purpose. And e.g. creating folders for single item tests, and multiple item tests. Just for clarity and convenience.</a:t>
+            </a:r>
+          </a:p>
+          <a:p>
+            <a:endParaRPr lang="en-US" sz="2000" dirty="0"/>
+          </a:p>
+        </p:txBody>
+      </p:sp>
+      <p:sp>
+        <p:nvSpPr>
+          <p:cNvPr id="5" name="Date Placeholder 4">
+            <a:extLst>
+              <a:ext uri="{FF2B5EF4-FFF2-40B4-BE49-F238E27FC236}">
+                <a16:creationId xmlns:a16="http://schemas.microsoft.com/office/drawing/2014/main" id="{976244E2-AA76-2742-B2EC-FEC79276155C}"/>
+              </a:ext>
+            </a:extLst>
+          </p:cNvPr>
+          <p:cNvSpPr>
+            <a:spLocks noGrp="1"/>
+          </p:cNvSpPr>
+          <p:nvPr>
+            <p:ph type="dt" sz="half" idx="10"/>
+          </p:nvPr>
+        </p:nvSpPr>
+        <p:spPr/>
+        <p:txBody>
+          <a:bodyPr/>
+          <a:lstStyle/>
+          <a:p>
+            <a:fld id="{202E1EC2-47B8-044B-A09E-6A63B4D80C87}" type="datetime1">
+              <a:rPr lang="fi-FI" smtClean="0"/>
+              <a:t>23.4.2024</a:t>
+            </a:fld>
+            <a:endParaRPr lang="en-GB"/>
+          </a:p>
+        </p:txBody>
+      </p:sp>
+      <p:sp>
+        <p:nvSpPr>
+          <p:cNvPr id="6" name="Footer Placeholder 5">
+            <a:extLst>
+              <a:ext uri="{FF2B5EF4-FFF2-40B4-BE49-F238E27FC236}">
+                <a16:creationId xmlns:a16="http://schemas.microsoft.com/office/drawing/2014/main" id="{588CE607-4137-8840-8FEA-42EAC857E3A3}"/>
+              </a:ext>
+            </a:extLst>
+          </p:cNvPr>
+          <p:cNvSpPr>
+            <a:spLocks noGrp="1"/>
+          </p:cNvSpPr>
+          <p:nvPr>
+            <p:ph type="ftr" sz="quarter" idx="11"/>
+          </p:nvPr>
+        </p:nvSpPr>
+        <p:spPr/>
+        <p:txBody>
+          <a:bodyPr/>
+          <a:lstStyle/>
+          <a:p>
+            <a:endParaRPr lang="en-GB"/>
+          </a:p>
+        </p:txBody>
+      </p:sp>
+      <p:sp>
+        <p:nvSpPr>
+          <p:cNvPr id="7" name="Slide Number Placeholder 6">
+            <a:extLst>
+              <a:ext uri="{FF2B5EF4-FFF2-40B4-BE49-F238E27FC236}">
+                <a16:creationId xmlns:a16="http://schemas.microsoft.com/office/drawing/2014/main" id="{2E133A96-6C73-0844-B8CB-27C2B5F4CFB1}"/>
+              </a:ext>
+            </a:extLst>
+          </p:cNvPr>
+          <p:cNvSpPr>
+            <a:spLocks noGrp="1"/>
+          </p:cNvSpPr>
+          <p:nvPr>
+            <p:ph type="sldNum" sz="quarter" idx="12"/>
+          </p:nvPr>
+        </p:nvSpPr>
+        <p:spPr/>
+        <p:txBody>
+          <a:bodyPr/>
+          <a:lstStyle/>
+          <a:p>
+            <a:fld id="{76BAB7ED-EDE9-4D4B-9A2D-30E18C47C16E}" type="slidenum">
+              <a:rPr lang="en-GB" smtClean="0"/>
+              <a:t>3</a:t>
+            </a:fld>
+            <a:endParaRPr lang="en-GB"/>
+          </a:p>
+        </p:txBody>
+      </p:sp>
+    </p:spTree>
+    <p:extLst>
+      <p:ext uri="{BB962C8B-B14F-4D97-AF65-F5344CB8AC3E}">
+        <p14:creationId xmlns:p14="http://schemas.microsoft.com/office/powerpoint/2010/main" val="316973934"/>
+      </p:ext>
+    </p:extLst>
+  </p:cSld>
+  <p:clrMapOvr>
+    <a:masterClrMapping/>
+  </p:clrMapOvr>
+</p:sld>
+</file>
+
+<file path=ppt/slides/slide4.xml><?xml version="1.0" encoding="utf-8"?>
+<p:sld xmlns:a="http://schemas.openxmlformats.org/drawingml/2006/main" xmlns:r="http://schemas.openxmlformats.org/officeDocument/2006/relationships" xmlns:p="http://schemas.openxmlformats.org/presentationml/2006/main">
+  <p:cSld>
+    <p:spTree>
+      <p:nvGrpSpPr>
+        <p:cNvPr id="1" name=""/>
+        <p:cNvGrpSpPr/>
+        <p:nvPr/>
+      </p:nvGrpSpPr>
+      <p:grpSpPr>
+        <a:xfrm>
+          <a:off x="0" y="0"/>
+          <a:ext cx="0" cy="0"/>
+          <a:chOff x="0" y="0"/>
+          <a:chExt cx="0" cy="0"/>
+        </a:xfrm>
+      </p:grpSpPr>
+      <p:sp>
+        <p:nvSpPr>
+          <p:cNvPr id="8" name="Title 7">
+            <a:extLst>
+              <a:ext uri="{FF2B5EF4-FFF2-40B4-BE49-F238E27FC236}">
+                <a16:creationId xmlns:a16="http://schemas.microsoft.com/office/drawing/2014/main" id="{197044C3-CD23-D844-B780-26FABA91AD0F}"/>
+              </a:ext>
+            </a:extLst>
+          </p:cNvPr>
+          <p:cNvSpPr>
+            <a:spLocks noGrp="1"/>
+          </p:cNvSpPr>
+          <p:nvPr>
+            <p:ph type="title"/>
+          </p:nvPr>
+        </p:nvSpPr>
+        <p:spPr>
+          <a:xfrm>
+            <a:off x="856971" y="207980"/>
+            <a:ext cx="11125200" cy="1223963"/>
+          </a:xfrm>
+        </p:spPr>
+        <p:txBody>
+          <a:bodyPr/>
+          <a:lstStyle/>
+          <a:p>
+            <a:r>
+              <a:rPr lang="fi-FI" dirty="0" err="1"/>
+              <a:t>Postman</a:t>
+            </a:r>
+            <a:r>
+              <a:rPr lang="fi-FI" dirty="0"/>
+              <a:t>, </a:t>
+            </a:r>
+            <a:r>
+              <a:rPr lang="fi-FI" dirty="0" err="1"/>
+              <a:t>tested</a:t>
+            </a:r>
+            <a:r>
+              <a:rPr lang="fi-FI" dirty="0"/>
+              <a:t> </a:t>
+            </a:r>
+            <a:r>
+              <a:rPr lang="fi-FI" dirty="0" err="1"/>
+              <a:t>with</a:t>
+            </a:r>
+            <a:r>
+              <a:rPr lang="fi-FI" dirty="0"/>
+              <a:t> </a:t>
+            </a:r>
+            <a:r>
+              <a:rPr lang="fi-FI" dirty="0" err="1"/>
+              <a:t>Feb</a:t>
+            </a:r>
+            <a:r>
+              <a:rPr lang="fi-FI" dirty="0"/>
+              <a:t> 2023 version</a:t>
+            </a:r>
+          </a:p>
+        </p:txBody>
+      </p:sp>
+      <p:sp>
+        <p:nvSpPr>
+          <p:cNvPr id="5" name="Date Placeholder 4">
+            <a:extLst>
+              <a:ext uri="{FF2B5EF4-FFF2-40B4-BE49-F238E27FC236}">
+                <a16:creationId xmlns:a16="http://schemas.microsoft.com/office/drawing/2014/main" id="{976244E2-AA76-2742-B2EC-FEC79276155C}"/>
+              </a:ext>
+            </a:extLst>
+          </p:cNvPr>
+          <p:cNvSpPr>
+            <a:spLocks noGrp="1"/>
+          </p:cNvSpPr>
+          <p:nvPr>
+            <p:ph type="dt" sz="half" idx="10"/>
+          </p:nvPr>
+        </p:nvSpPr>
+        <p:spPr/>
+        <p:txBody>
+          <a:bodyPr/>
+          <a:lstStyle/>
+          <a:p>
+            <a:fld id="{202E1EC2-47B8-044B-A09E-6A63B4D80C87}" type="datetime1">
+              <a:rPr lang="fi-FI" smtClean="0"/>
+              <a:t>23.4.2024</a:t>
+            </a:fld>
+            <a:endParaRPr lang="en-GB"/>
+          </a:p>
+        </p:txBody>
+      </p:sp>
+      <p:sp>
+        <p:nvSpPr>
+          <p:cNvPr id="6" name="Footer Placeholder 5">
+            <a:extLst>
+              <a:ext uri="{FF2B5EF4-FFF2-40B4-BE49-F238E27FC236}">
+                <a16:creationId xmlns:a16="http://schemas.microsoft.com/office/drawing/2014/main" id="{588CE607-4137-8840-8FEA-42EAC857E3A3}"/>
+              </a:ext>
+            </a:extLst>
+          </p:cNvPr>
+          <p:cNvSpPr>
+            <a:spLocks noGrp="1"/>
+          </p:cNvSpPr>
+          <p:nvPr>
+            <p:ph type="ftr" sz="quarter" idx="11"/>
+          </p:nvPr>
+        </p:nvSpPr>
+        <p:spPr/>
+        <p:txBody>
+          <a:bodyPr/>
+          <a:lstStyle/>
+          <a:p>
+            <a:endParaRPr lang="en-GB"/>
+          </a:p>
+        </p:txBody>
+      </p:sp>
+      <p:sp>
+        <p:nvSpPr>
+          <p:cNvPr id="7" name="Slide Number Placeholder 6">
+            <a:extLst>
+              <a:ext uri="{FF2B5EF4-FFF2-40B4-BE49-F238E27FC236}">
+                <a16:creationId xmlns:a16="http://schemas.microsoft.com/office/drawing/2014/main" id="{2E133A96-6C73-0844-B8CB-27C2B5F4CFB1}"/>
+              </a:ext>
+            </a:extLst>
+          </p:cNvPr>
+          <p:cNvSpPr>
+            <a:spLocks noGrp="1"/>
+          </p:cNvSpPr>
+          <p:nvPr>
+            <p:ph type="sldNum" sz="quarter" idx="12"/>
+          </p:nvPr>
+        </p:nvSpPr>
+        <p:spPr/>
+        <p:txBody>
+          <a:bodyPr/>
+          <a:lstStyle/>
+          <a:p>
+            <a:fld id="{76BAB7ED-EDE9-4D4B-9A2D-30E18C47C16E}" type="slidenum">
+              <a:rPr lang="en-GB" smtClean="0"/>
+              <a:t>4</a:t>
+            </a:fld>
+            <a:endParaRPr lang="en-GB"/>
+          </a:p>
+        </p:txBody>
+      </p:sp>
+      <p:pic>
+        <p:nvPicPr>
+          <p:cNvPr id="3" name="Picture 2" descr="A screenshot of a computer&#10;&#10;Description automatically generated">
+            <a:extLst>
+              <a:ext uri="{FF2B5EF4-FFF2-40B4-BE49-F238E27FC236}">
+                <a16:creationId xmlns:a16="http://schemas.microsoft.com/office/drawing/2014/main" id="{57D4273D-6EAB-2414-5259-2533F65970F3}"/>
+              </a:ext>
+            </a:extLst>
+          </p:cNvPr>
+          <p:cNvPicPr>
+            <a:picLocks noChangeAspect="1"/>
+          </p:cNvPicPr>
+          <p:nvPr/>
+        </p:nvPicPr>
+        <p:blipFill>
+          <a:blip r:embed="rId2"/>
+          <a:stretch>
+            <a:fillRect/>
+          </a:stretch>
+        </p:blipFill>
+        <p:spPr>
+          <a:xfrm>
+            <a:off x="244174" y="761863"/>
+            <a:ext cx="11703651" cy="5334274"/>
+          </a:xfrm>
+          <a:prstGeom prst="rect">
+            <a:avLst/>
+          </a:prstGeom>
+        </p:spPr>
+      </p:pic>
+    </p:spTree>
+    <p:extLst>
+      <p:ext uri="{BB962C8B-B14F-4D97-AF65-F5344CB8AC3E}">
+        <p14:creationId xmlns:p14="http://schemas.microsoft.com/office/powerpoint/2010/main" val="372848002"/>
       </p:ext>
     </p:extLst>
   </p:cSld>
@@ -7890,6 +8411,24 @@
 </file>
 
 <file path=customXml/item1.xml><?xml version="1.0" encoding="utf-8"?>
+<?mso-contentType ?>
+<FormTemplates xmlns="http://schemas.microsoft.com/sharepoint/v3/contenttype/forms">
+  <Display>DocumentLibraryForm</Display>
+  <Edit>DocumentLibraryForm</Edit>
+  <New>DocumentLibraryForm</New>
+</FormTemplates>
+</file>
+
+<file path=customXml/item2.xml><?xml version="1.0" encoding="utf-8"?>
+<p:properties xmlns:p="http://schemas.microsoft.com/office/2006/metadata/properties" xmlns:xsi="http://www.w3.org/2001/XMLSchema-instance" xmlns:pc="http://schemas.microsoft.com/office/infopath/2007/PartnerControls">
+  <documentManagement>
+    <PublishingExpirationDate xmlns="http://schemas.microsoft.com/sharepoint/v3" xsi:nil="true"/>
+    <PublishingStartDate xmlns="http://schemas.microsoft.com/sharepoint/v3" xsi:nil="true"/>
+  </documentManagement>
+</p:properties>
+</file>
+
+<file path=customXml/item3.xml><?xml version="1.0" encoding="utf-8"?>
 <ct:contentTypeSchema xmlns:ct="http://schemas.microsoft.com/office/2006/metadata/contentType" xmlns:ma="http://schemas.microsoft.com/office/2006/metadata/properties/metaAttributes" ct:_="" ma:_="" ma:contentTypeName="Document" ma:contentTypeID="0x01010024C55B41993A414DABB8DD07ACBA0814" ma:contentTypeVersion="1" ma:contentTypeDescription="Create a new document." ma:contentTypeScope="" ma:versionID="3ea0c22b5866975a7b271665de4056c5">
   <xsd:schema xmlns:xsd="http://www.w3.org/2001/XMLSchema" xmlns:xs="http://www.w3.org/2001/XMLSchema" xmlns:p="http://schemas.microsoft.com/office/2006/metadata/properties" xmlns:ns1="http://schemas.microsoft.com/sharepoint/v3" targetNamespace="http://schemas.microsoft.com/office/2006/metadata/properties" ma:root="true" ma:fieldsID="ef2aa9ed40e72a78c3822fc753b43e87" ns1:_="">
     <xsd:import namespace="http://schemas.microsoft.com/sharepoint/v3"/>
@@ -8021,38 +8560,10 @@
 </ct:contentTypeSchema>
 </file>
 
-<file path=customXml/item2.xml><?xml version="1.0" encoding="utf-8"?>
-<p:properties xmlns:p="http://schemas.microsoft.com/office/2006/metadata/properties" xmlns:xsi="http://www.w3.org/2001/XMLSchema-instance" xmlns:pc="http://schemas.microsoft.com/office/infopath/2007/PartnerControls">
-  <documentManagement>
-    <PublishingExpirationDate xmlns="http://schemas.microsoft.com/sharepoint/v3" xsi:nil="true"/>
-    <PublishingStartDate xmlns="http://schemas.microsoft.com/sharepoint/v3" xsi:nil="true"/>
-  </documentManagement>
-</p:properties>
-</file>
-
-<file path=customXml/item3.xml><?xml version="1.0" encoding="utf-8"?>
-<?mso-contentType ?>
-<FormTemplates xmlns="http://schemas.microsoft.com/sharepoint/v3/contenttype/forms">
-  <Display>DocumentLibraryForm</Display>
-  <Edit>DocumentLibraryForm</Edit>
-  <New>DocumentLibraryForm</New>
-</FormTemplates>
-</file>
-
 <file path=customXml/itemProps1.xml><?xml version="1.0" encoding="utf-8"?>
-<ds:datastoreItem xmlns:ds="http://schemas.openxmlformats.org/officeDocument/2006/customXml" ds:itemID="{B9E4DC25-62AA-44A0-8D5C-DB44892588AF}">
+<ds:datastoreItem xmlns:ds="http://schemas.openxmlformats.org/officeDocument/2006/customXml" ds:itemID="{D546C03B-CD3A-4EA0-AAA4-0E00E896454E}">
   <ds:schemaRefs>
-    <ds:schemaRef ds:uri="http://schemas.microsoft.com/office/2006/metadata/contentType"/>
-    <ds:schemaRef ds:uri="http://schemas.microsoft.com/office/2006/metadata/properties/metaAttributes"/>
-    <ds:schemaRef ds:uri="http://www.w3.org/2001/XMLSchema"/>
-    <ds:schemaRef ds:uri="http://schemas.microsoft.com/office/2006/metadata/properties"/>
-    <ds:schemaRef ds:uri="http://schemas.microsoft.com/sharepoint/v3"/>
-    <ds:schemaRef ds:uri="http://schemas.microsoft.com/office/2006/documentManagement/types"/>
-    <ds:schemaRef ds:uri="http://schemas.microsoft.com/office/infopath/2007/PartnerControls"/>
-    <ds:schemaRef ds:uri="http://schemas.openxmlformats.org/package/2006/metadata/core-properties"/>
-    <ds:schemaRef ds:uri="http://purl.org/dc/elements/1.1/"/>
-    <ds:schemaRef ds:uri="http://purl.org/dc/terms/"/>
-    <ds:schemaRef ds:uri="http://schemas.microsoft.com/internal/obd"/>
+    <ds:schemaRef ds:uri="http://schemas.microsoft.com/sharepoint/v3/contenttype/forms"/>
   </ds:schemaRefs>
 </ds:datastoreItem>
 </file>
@@ -8074,9 +8585,19 @@
 </file>
 
 <file path=customXml/itemProps3.xml><?xml version="1.0" encoding="utf-8"?>
-<ds:datastoreItem xmlns:ds="http://schemas.openxmlformats.org/officeDocument/2006/customXml" ds:itemID="{D546C03B-CD3A-4EA0-AAA4-0E00E896454E}">
+<ds:datastoreItem xmlns:ds="http://schemas.openxmlformats.org/officeDocument/2006/customXml" ds:itemID="{B9E4DC25-62AA-44A0-8D5C-DB44892588AF}">
   <ds:schemaRefs>
-    <ds:schemaRef ds:uri="http://schemas.microsoft.com/sharepoint/v3/contenttype/forms"/>
+    <ds:schemaRef ds:uri="http://schemas.microsoft.com/office/2006/metadata/contentType"/>
+    <ds:schemaRef ds:uri="http://schemas.microsoft.com/office/2006/metadata/properties/metaAttributes"/>
+    <ds:schemaRef ds:uri="http://www.w3.org/2001/XMLSchema"/>
+    <ds:schemaRef ds:uri="http://schemas.microsoft.com/office/2006/metadata/properties"/>
+    <ds:schemaRef ds:uri="http://schemas.microsoft.com/sharepoint/v3"/>
+    <ds:schemaRef ds:uri="http://schemas.microsoft.com/office/2006/documentManagement/types"/>
+    <ds:schemaRef ds:uri="http://schemas.microsoft.com/office/infopath/2007/PartnerControls"/>
+    <ds:schemaRef ds:uri="http://schemas.openxmlformats.org/package/2006/metadata/core-properties"/>
+    <ds:schemaRef ds:uri="http://purl.org/dc/elements/1.1/"/>
+    <ds:schemaRef ds:uri="http://purl.org/dc/terms/"/>
+    <ds:schemaRef ds:uri="http://schemas.microsoft.com/internal/obd"/>
   </ds:schemaRefs>
 </ds:datastoreItem>
 </file>